--- a/ppt 16-9/1477.耶和华啊！求.pptx
+++ b/ppt 16-9/1477.耶和华啊！求.pptx
@@ -5,7 +5,7 @@
     <p:sldMasterId id="2147483648" r:id="rId1"/>
   </p:sldMasterIdLst>
   <p:sldIdLst>
-    <p:sldId id="1051" r:id="rId2"/>
+    <p:sldId id="1052" r:id="rId2"/>
   </p:sldIdLst>
   <p:sldSz cx="12192000" cy="6858000"/>
   <p:notesSz cx="6858000" cy="9144000"/>
@@ -129,7 +129,7 @@
           <p:cNvPr id="2" name="标题 1">
             <a:extLst>
               <a:ext uri="{FF2B5EF4-FFF2-40B4-BE49-F238E27FC236}">
-                <a16:creationId xmlns:a16="http://schemas.microsoft.com/office/drawing/2014/main" id="{52941F68-5AA8-8A1C-1E66-20155D1BD893}"/>
+                <a16:creationId xmlns:a16="http://schemas.microsoft.com/office/drawing/2014/main" id="{98E86ABB-E1BB-FAA8-74B9-D1AC5DB8C112}"/>
               </a:ext>
             </a:extLst>
           </p:cNvPr>
@@ -166,7 +166,7 @@
           <p:cNvPr id="3" name="副标题 2">
             <a:extLst>
               <a:ext uri="{FF2B5EF4-FFF2-40B4-BE49-F238E27FC236}">
-                <a16:creationId xmlns:a16="http://schemas.microsoft.com/office/drawing/2014/main" id="{27FCC745-2ABE-2663-B6E4-CF4C10A65D75}"/>
+                <a16:creationId xmlns:a16="http://schemas.microsoft.com/office/drawing/2014/main" id="{50822997-9167-350D-906E-B3ABD224C9B4}"/>
               </a:ext>
             </a:extLst>
           </p:cNvPr>
@@ -236,7 +236,7 @@
           <p:cNvPr id="4" name="日期占位符 3">
             <a:extLst>
               <a:ext uri="{FF2B5EF4-FFF2-40B4-BE49-F238E27FC236}">
-                <a16:creationId xmlns:a16="http://schemas.microsoft.com/office/drawing/2014/main" id="{5919C612-6A7F-AF3E-D8E7-705B8BDBD4C1}"/>
+                <a16:creationId xmlns:a16="http://schemas.microsoft.com/office/drawing/2014/main" id="{7A9CB3AD-0819-45C0-68F1-3592F0534640}"/>
               </a:ext>
             </a:extLst>
           </p:cNvPr>
@@ -252,7 +252,7 @@
           <a:bodyPr/>
           <a:lstStyle/>
           <a:p>
-            <a:fld id="{82D4050B-37B8-4B8C-814C-EFA0C112110C}" type="datetimeFigureOut">
+            <a:fld id="{66E6D228-E124-430C-9793-F0C430614E20}" type="datetimeFigureOut">
               <a:rPr lang="zh-CN" altLang="en-US" smtClean="0"/>
               <a:t>2024/3/10</a:t>
             </a:fld>
@@ -265,7 +265,7 @@
           <p:cNvPr id="5" name="页脚占位符 4">
             <a:extLst>
               <a:ext uri="{FF2B5EF4-FFF2-40B4-BE49-F238E27FC236}">
-                <a16:creationId xmlns:a16="http://schemas.microsoft.com/office/drawing/2014/main" id="{12FB6D7F-8DE1-91A8-DDDD-E1718D572B3B}"/>
+                <a16:creationId xmlns:a16="http://schemas.microsoft.com/office/drawing/2014/main" id="{2DAC3656-480F-B5FD-5B44-ECB378793317}"/>
               </a:ext>
             </a:extLst>
           </p:cNvPr>
@@ -290,7 +290,7 @@
           <p:cNvPr id="6" name="灯片编号占位符 5">
             <a:extLst>
               <a:ext uri="{FF2B5EF4-FFF2-40B4-BE49-F238E27FC236}">
-                <a16:creationId xmlns:a16="http://schemas.microsoft.com/office/drawing/2014/main" id="{DDAAD742-3A62-33B4-C289-7C929A4F2387}"/>
+                <a16:creationId xmlns:a16="http://schemas.microsoft.com/office/drawing/2014/main" id="{7E5BF448-ABD5-A1ED-8FC8-687905F0DA1E}"/>
               </a:ext>
             </a:extLst>
           </p:cNvPr>
@@ -306,7 +306,7 @@
           <a:bodyPr/>
           <a:lstStyle/>
           <a:p>
-            <a:fld id="{74BA8AE9-352A-4568-8DF8-7A5B696903E9}" type="slidenum">
+            <a:fld id="{22DFA749-774F-4612-AA0D-0688C7540DB8}" type="slidenum">
               <a:rPr lang="zh-CN" altLang="en-US" smtClean="0"/>
               <a:t>‹#›</a:t>
             </a:fld>
@@ -317,7 +317,7 @@
     </p:spTree>
     <p:extLst>
       <p:ext uri="{BB962C8B-B14F-4D97-AF65-F5344CB8AC3E}">
-        <p14:creationId xmlns:p14="http://schemas.microsoft.com/office/powerpoint/2010/main" val="2081805874"/>
+        <p14:creationId xmlns:p14="http://schemas.microsoft.com/office/powerpoint/2010/main" val="599287828"/>
       </p:ext>
     </p:extLst>
   </p:cSld>
@@ -349,7 +349,7 @@
           <p:cNvPr id="2" name="标题 1">
             <a:extLst>
               <a:ext uri="{FF2B5EF4-FFF2-40B4-BE49-F238E27FC236}">
-                <a16:creationId xmlns:a16="http://schemas.microsoft.com/office/drawing/2014/main" id="{3E03512B-1259-999F-4368-1694466927FF}"/>
+                <a16:creationId xmlns:a16="http://schemas.microsoft.com/office/drawing/2014/main" id="{5B707CEC-FC05-4B48-3045-47462CF49FB6}"/>
               </a:ext>
             </a:extLst>
           </p:cNvPr>
@@ -377,7 +377,7 @@
           <p:cNvPr id="3" name="竖排文字占位符 2">
             <a:extLst>
               <a:ext uri="{FF2B5EF4-FFF2-40B4-BE49-F238E27FC236}">
-                <a16:creationId xmlns:a16="http://schemas.microsoft.com/office/drawing/2014/main" id="{DBDD2133-E73B-E876-393F-B19B3C41F640}"/>
+                <a16:creationId xmlns:a16="http://schemas.microsoft.com/office/drawing/2014/main" id="{FD992FF0-4A26-6126-3A1A-160BB98A3CBA}"/>
               </a:ext>
             </a:extLst>
           </p:cNvPr>
@@ -434,7 +434,7 @@
           <p:cNvPr id="4" name="日期占位符 3">
             <a:extLst>
               <a:ext uri="{FF2B5EF4-FFF2-40B4-BE49-F238E27FC236}">
-                <a16:creationId xmlns:a16="http://schemas.microsoft.com/office/drawing/2014/main" id="{4AB6AAE6-3203-2E5F-974B-A0F33B7D681D}"/>
+                <a16:creationId xmlns:a16="http://schemas.microsoft.com/office/drawing/2014/main" id="{D3A21826-6C65-6341-137E-D892E7A2287D}"/>
               </a:ext>
             </a:extLst>
           </p:cNvPr>
@@ -450,7 +450,7 @@
           <a:bodyPr/>
           <a:lstStyle/>
           <a:p>
-            <a:fld id="{82D4050B-37B8-4B8C-814C-EFA0C112110C}" type="datetimeFigureOut">
+            <a:fld id="{66E6D228-E124-430C-9793-F0C430614E20}" type="datetimeFigureOut">
               <a:rPr lang="zh-CN" altLang="en-US" smtClean="0"/>
               <a:t>2024/3/10</a:t>
             </a:fld>
@@ -463,7 +463,7 @@
           <p:cNvPr id="5" name="页脚占位符 4">
             <a:extLst>
               <a:ext uri="{FF2B5EF4-FFF2-40B4-BE49-F238E27FC236}">
-                <a16:creationId xmlns:a16="http://schemas.microsoft.com/office/drawing/2014/main" id="{7DCCA8C9-8007-7767-D88A-BD41CA26BCC2}"/>
+                <a16:creationId xmlns:a16="http://schemas.microsoft.com/office/drawing/2014/main" id="{CFC6F470-D5B0-E7BE-4FA9-43E647FE4C7A}"/>
               </a:ext>
             </a:extLst>
           </p:cNvPr>
@@ -488,7 +488,7 @@
           <p:cNvPr id="6" name="灯片编号占位符 5">
             <a:extLst>
               <a:ext uri="{FF2B5EF4-FFF2-40B4-BE49-F238E27FC236}">
-                <a16:creationId xmlns:a16="http://schemas.microsoft.com/office/drawing/2014/main" id="{76BE5401-6821-6314-2FEF-656FA7FF76F9}"/>
+                <a16:creationId xmlns:a16="http://schemas.microsoft.com/office/drawing/2014/main" id="{A20F3F7F-FC19-4C59-B567-1A4E66E80BB3}"/>
               </a:ext>
             </a:extLst>
           </p:cNvPr>
@@ -504,7 +504,7 @@
           <a:bodyPr/>
           <a:lstStyle/>
           <a:p>
-            <a:fld id="{74BA8AE9-352A-4568-8DF8-7A5B696903E9}" type="slidenum">
+            <a:fld id="{22DFA749-774F-4612-AA0D-0688C7540DB8}" type="slidenum">
               <a:rPr lang="zh-CN" altLang="en-US" smtClean="0"/>
               <a:t>‹#›</a:t>
             </a:fld>
@@ -515,7 +515,7 @@
     </p:spTree>
     <p:extLst>
       <p:ext uri="{BB962C8B-B14F-4D97-AF65-F5344CB8AC3E}">
-        <p14:creationId xmlns:p14="http://schemas.microsoft.com/office/powerpoint/2010/main" val="4031061905"/>
+        <p14:creationId xmlns:p14="http://schemas.microsoft.com/office/powerpoint/2010/main" val="2542285890"/>
       </p:ext>
     </p:extLst>
   </p:cSld>
@@ -547,7 +547,7 @@
           <p:cNvPr id="2" name="竖排标题 1">
             <a:extLst>
               <a:ext uri="{FF2B5EF4-FFF2-40B4-BE49-F238E27FC236}">
-                <a16:creationId xmlns:a16="http://schemas.microsoft.com/office/drawing/2014/main" id="{499FF5A5-5C33-8B06-5B61-2F738455E839}"/>
+                <a16:creationId xmlns:a16="http://schemas.microsoft.com/office/drawing/2014/main" id="{5273F73B-BF81-150F-2FB6-C1A88BC6BC72}"/>
               </a:ext>
             </a:extLst>
           </p:cNvPr>
@@ -580,7 +580,7 @@
           <p:cNvPr id="3" name="竖排文字占位符 2">
             <a:extLst>
               <a:ext uri="{FF2B5EF4-FFF2-40B4-BE49-F238E27FC236}">
-                <a16:creationId xmlns:a16="http://schemas.microsoft.com/office/drawing/2014/main" id="{5757813B-0B6E-3223-69A5-E7188895F20F}"/>
+                <a16:creationId xmlns:a16="http://schemas.microsoft.com/office/drawing/2014/main" id="{907B636A-870B-A68D-FD0A-9DA7F571CF54}"/>
               </a:ext>
             </a:extLst>
           </p:cNvPr>
@@ -642,7 +642,7 @@
           <p:cNvPr id="4" name="日期占位符 3">
             <a:extLst>
               <a:ext uri="{FF2B5EF4-FFF2-40B4-BE49-F238E27FC236}">
-                <a16:creationId xmlns:a16="http://schemas.microsoft.com/office/drawing/2014/main" id="{398425AC-CF05-8336-B14E-890209909019}"/>
+                <a16:creationId xmlns:a16="http://schemas.microsoft.com/office/drawing/2014/main" id="{D70944FB-6D36-EF7B-4CAB-11BF8A3D3C48}"/>
               </a:ext>
             </a:extLst>
           </p:cNvPr>
@@ -658,7 +658,7 @@
           <a:bodyPr/>
           <a:lstStyle/>
           <a:p>
-            <a:fld id="{82D4050B-37B8-4B8C-814C-EFA0C112110C}" type="datetimeFigureOut">
+            <a:fld id="{66E6D228-E124-430C-9793-F0C430614E20}" type="datetimeFigureOut">
               <a:rPr lang="zh-CN" altLang="en-US" smtClean="0"/>
               <a:t>2024/3/10</a:t>
             </a:fld>
@@ -671,7 +671,7 @@
           <p:cNvPr id="5" name="页脚占位符 4">
             <a:extLst>
               <a:ext uri="{FF2B5EF4-FFF2-40B4-BE49-F238E27FC236}">
-                <a16:creationId xmlns:a16="http://schemas.microsoft.com/office/drawing/2014/main" id="{C2195122-1445-F282-BDF3-8B58C0F60C24}"/>
+                <a16:creationId xmlns:a16="http://schemas.microsoft.com/office/drawing/2014/main" id="{C4F5E7EA-A9B2-2BEE-184C-05E9F072E69D}"/>
               </a:ext>
             </a:extLst>
           </p:cNvPr>
@@ -696,7 +696,7 @@
           <p:cNvPr id="6" name="灯片编号占位符 5">
             <a:extLst>
               <a:ext uri="{FF2B5EF4-FFF2-40B4-BE49-F238E27FC236}">
-                <a16:creationId xmlns:a16="http://schemas.microsoft.com/office/drawing/2014/main" id="{4997FFB5-9E9B-C3EC-E3F9-59A193D3D3F9}"/>
+                <a16:creationId xmlns:a16="http://schemas.microsoft.com/office/drawing/2014/main" id="{3A48565D-73F7-6014-20F0-FE75C78EFD3C}"/>
               </a:ext>
             </a:extLst>
           </p:cNvPr>
@@ -712,7 +712,7 @@
           <a:bodyPr/>
           <a:lstStyle/>
           <a:p>
-            <a:fld id="{74BA8AE9-352A-4568-8DF8-7A5B696903E9}" type="slidenum">
+            <a:fld id="{22DFA749-774F-4612-AA0D-0688C7540DB8}" type="slidenum">
               <a:rPr lang="zh-CN" altLang="en-US" smtClean="0"/>
               <a:t>‹#›</a:t>
             </a:fld>
@@ -723,7 +723,7 @@
     </p:spTree>
     <p:extLst>
       <p:ext uri="{BB962C8B-B14F-4D97-AF65-F5344CB8AC3E}">
-        <p14:creationId xmlns:p14="http://schemas.microsoft.com/office/powerpoint/2010/main" val="2025058342"/>
+        <p14:creationId xmlns:p14="http://schemas.microsoft.com/office/powerpoint/2010/main" val="3393617125"/>
       </p:ext>
     </p:extLst>
   </p:cSld>
@@ -755,7 +755,7 @@
           <p:cNvPr id="2" name="标题 1">
             <a:extLst>
               <a:ext uri="{FF2B5EF4-FFF2-40B4-BE49-F238E27FC236}">
-                <a16:creationId xmlns:a16="http://schemas.microsoft.com/office/drawing/2014/main" id="{E47AB24C-272C-D842-D414-5CD0ACABB6E5}"/>
+                <a16:creationId xmlns:a16="http://schemas.microsoft.com/office/drawing/2014/main" id="{E31914F1-FFB5-59FD-767F-C7AB02B9349A}"/>
               </a:ext>
             </a:extLst>
           </p:cNvPr>
@@ -783,7 +783,7 @@
           <p:cNvPr id="3" name="内容占位符 2">
             <a:extLst>
               <a:ext uri="{FF2B5EF4-FFF2-40B4-BE49-F238E27FC236}">
-                <a16:creationId xmlns:a16="http://schemas.microsoft.com/office/drawing/2014/main" id="{2862B375-5A85-7911-52AF-85A0E7CD18C2}"/>
+                <a16:creationId xmlns:a16="http://schemas.microsoft.com/office/drawing/2014/main" id="{EDDAA7D7-EFDA-D36C-428A-AD032E933CB8}"/>
               </a:ext>
             </a:extLst>
           </p:cNvPr>
@@ -840,7 +840,7 @@
           <p:cNvPr id="4" name="日期占位符 3">
             <a:extLst>
               <a:ext uri="{FF2B5EF4-FFF2-40B4-BE49-F238E27FC236}">
-                <a16:creationId xmlns:a16="http://schemas.microsoft.com/office/drawing/2014/main" id="{EADE8E7F-57E1-73A5-418D-34A18BBD5633}"/>
+                <a16:creationId xmlns:a16="http://schemas.microsoft.com/office/drawing/2014/main" id="{7B71C7F1-ED03-DF35-D86F-F0F9D2580DD1}"/>
               </a:ext>
             </a:extLst>
           </p:cNvPr>
@@ -856,7 +856,7 @@
           <a:bodyPr/>
           <a:lstStyle/>
           <a:p>
-            <a:fld id="{82D4050B-37B8-4B8C-814C-EFA0C112110C}" type="datetimeFigureOut">
+            <a:fld id="{66E6D228-E124-430C-9793-F0C430614E20}" type="datetimeFigureOut">
               <a:rPr lang="zh-CN" altLang="en-US" smtClean="0"/>
               <a:t>2024/3/10</a:t>
             </a:fld>
@@ -869,7 +869,7 @@
           <p:cNvPr id="5" name="页脚占位符 4">
             <a:extLst>
               <a:ext uri="{FF2B5EF4-FFF2-40B4-BE49-F238E27FC236}">
-                <a16:creationId xmlns:a16="http://schemas.microsoft.com/office/drawing/2014/main" id="{D64BD07A-087E-4593-E269-389960FE8BC6}"/>
+                <a16:creationId xmlns:a16="http://schemas.microsoft.com/office/drawing/2014/main" id="{B043876E-66F7-987A-8892-EFCF15E4C5C9}"/>
               </a:ext>
             </a:extLst>
           </p:cNvPr>
@@ -894,7 +894,7 @@
           <p:cNvPr id="6" name="灯片编号占位符 5">
             <a:extLst>
               <a:ext uri="{FF2B5EF4-FFF2-40B4-BE49-F238E27FC236}">
-                <a16:creationId xmlns:a16="http://schemas.microsoft.com/office/drawing/2014/main" id="{09082057-0204-3DBD-EFF8-DAF0FD202E7F}"/>
+                <a16:creationId xmlns:a16="http://schemas.microsoft.com/office/drawing/2014/main" id="{635C90A3-3D18-B6B1-516A-F3AA59E3FF63}"/>
               </a:ext>
             </a:extLst>
           </p:cNvPr>
@@ -910,7 +910,7 @@
           <a:bodyPr/>
           <a:lstStyle/>
           <a:p>
-            <a:fld id="{74BA8AE9-352A-4568-8DF8-7A5B696903E9}" type="slidenum">
+            <a:fld id="{22DFA749-774F-4612-AA0D-0688C7540DB8}" type="slidenum">
               <a:rPr lang="zh-CN" altLang="en-US" smtClean="0"/>
               <a:t>‹#›</a:t>
             </a:fld>
@@ -921,7 +921,7 @@
     </p:spTree>
     <p:extLst>
       <p:ext uri="{BB962C8B-B14F-4D97-AF65-F5344CB8AC3E}">
-        <p14:creationId xmlns:p14="http://schemas.microsoft.com/office/powerpoint/2010/main" val="4249561682"/>
+        <p14:creationId xmlns:p14="http://schemas.microsoft.com/office/powerpoint/2010/main" val="3283352048"/>
       </p:ext>
     </p:extLst>
   </p:cSld>
@@ -953,7 +953,7 @@
           <p:cNvPr id="2" name="标题 1">
             <a:extLst>
               <a:ext uri="{FF2B5EF4-FFF2-40B4-BE49-F238E27FC236}">
-                <a16:creationId xmlns:a16="http://schemas.microsoft.com/office/drawing/2014/main" id="{BDA01CB5-8F39-6884-FE5F-3F3E0A11CA10}"/>
+                <a16:creationId xmlns:a16="http://schemas.microsoft.com/office/drawing/2014/main" id="{810ED7C0-206B-81C5-3800-AA4EF3EB4C86}"/>
               </a:ext>
             </a:extLst>
           </p:cNvPr>
@@ -990,7 +990,7 @@
           <p:cNvPr id="3" name="文本占位符 2">
             <a:extLst>
               <a:ext uri="{FF2B5EF4-FFF2-40B4-BE49-F238E27FC236}">
-                <a16:creationId xmlns:a16="http://schemas.microsoft.com/office/drawing/2014/main" id="{AFA97EB8-FB50-7BC1-300D-EFBFBAAD95DA}"/>
+                <a16:creationId xmlns:a16="http://schemas.microsoft.com/office/drawing/2014/main" id="{169521F5-7F34-7B85-67D3-113F1AB0E3AF}"/>
               </a:ext>
             </a:extLst>
           </p:cNvPr>
@@ -1115,7 +1115,7 @@
           <p:cNvPr id="4" name="日期占位符 3">
             <a:extLst>
               <a:ext uri="{FF2B5EF4-FFF2-40B4-BE49-F238E27FC236}">
-                <a16:creationId xmlns:a16="http://schemas.microsoft.com/office/drawing/2014/main" id="{EAF59F36-AC35-C796-B0B4-EF08525BA54D}"/>
+                <a16:creationId xmlns:a16="http://schemas.microsoft.com/office/drawing/2014/main" id="{B537445E-FADE-0E9F-F866-178784F8DFC7}"/>
               </a:ext>
             </a:extLst>
           </p:cNvPr>
@@ -1131,7 +1131,7 @@
           <a:bodyPr/>
           <a:lstStyle/>
           <a:p>
-            <a:fld id="{82D4050B-37B8-4B8C-814C-EFA0C112110C}" type="datetimeFigureOut">
+            <a:fld id="{66E6D228-E124-430C-9793-F0C430614E20}" type="datetimeFigureOut">
               <a:rPr lang="zh-CN" altLang="en-US" smtClean="0"/>
               <a:t>2024/3/10</a:t>
             </a:fld>
@@ -1144,7 +1144,7 @@
           <p:cNvPr id="5" name="页脚占位符 4">
             <a:extLst>
               <a:ext uri="{FF2B5EF4-FFF2-40B4-BE49-F238E27FC236}">
-                <a16:creationId xmlns:a16="http://schemas.microsoft.com/office/drawing/2014/main" id="{E691C220-9F64-CF88-CF30-C36AA58E580D}"/>
+                <a16:creationId xmlns:a16="http://schemas.microsoft.com/office/drawing/2014/main" id="{FAC54B2C-EA34-6343-7F87-1B84ECF03B67}"/>
               </a:ext>
             </a:extLst>
           </p:cNvPr>
@@ -1169,7 +1169,7 @@
           <p:cNvPr id="6" name="灯片编号占位符 5">
             <a:extLst>
               <a:ext uri="{FF2B5EF4-FFF2-40B4-BE49-F238E27FC236}">
-                <a16:creationId xmlns:a16="http://schemas.microsoft.com/office/drawing/2014/main" id="{9A63C7CC-8047-0963-BEC1-AF098D9DFB15}"/>
+                <a16:creationId xmlns:a16="http://schemas.microsoft.com/office/drawing/2014/main" id="{73550A8B-7C7D-A594-74AC-510FE3904F70}"/>
               </a:ext>
             </a:extLst>
           </p:cNvPr>
@@ -1185,7 +1185,7 @@
           <a:bodyPr/>
           <a:lstStyle/>
           <a:p>
-            <a:fld id="{74BA8AE9-352A-4568-8DF8-7A5B696903E9}" type="slidenum">
+            <a:fld id="{22DFA749-774F-4612-AA0D-0688C7540DB8}" type="slidenum">
               <a:rPr lang="zh-CN" altLang="en-US" smtClean="0"/>
               <a:t>‹#›</a:t>
             </a:fld>
@@ -1196,7 +1196,7 @@
     </p:spTree>
     <p:extLst>
       <p:ext uri="{BB962C8B-B14F-4D97-AF65-F5344CB8AC3E}">
-        <p14:creationId xmlns:p14="http://schemas.microsoft.com/office/powerpoint/2010/main" val="4147414391"/>
+        <p14:creationId xmlns:p14="http://schemas.microsoft.com/office/powerpoint/2010/main" val="1056628088"/>
       </p:ext>
     </p:extLst>
   </p:cSld>
@@ -1228,7 +1228,7 @@
           <p:cNvPr id="2" name="标题 1">
             <a:extLst>
               <a:ext uri="{FF2B5EF4-FFF2-40B4-BE49-F238E27FC236}">
-                <a16:creationId xmlns:a16="http://schemas.microsoft.com/office/drawing/2014/main" id="{D4536212-D115-1B8C-4C70-BB9DBD44F48C}"/>
+                <a16:creationId xmlns:a16="http://schemas.microsoft.com/office/drawing/2014/main" id="{51EB2490-00DC-4BB0-6B6E-4544CF3087F7}"/>
               </a:ext>
             </a:extLst>
           </p:cNvPr>
@@ -1256,7 +1256,7 @@
           <p:cNvPr id="3" name="内容占位符 2">
             <a:extLst>
               <a:ext uri="{FF2B5EF4-FFF2-40B4-BE49-F238E27FC236}">
-                <a16:creationId xmlns:a16="http://schemas.microsoft.com/office/drawing/2014/main" id="{772A6393-703D-3CE9-367E-5F595FC4F5F2}"/>
+                <a16:creationId xmlns:a16="http://schemas.microsoft.com/office/drawing/2014/main" id="{E5EACFB0-02E1-95ED-DDD6-2B52D21124DC}"/>
               </a:ext>
             </a:extLst>
           </p:cNvPr>
@@ -1318,7 +1318,7 @@
           <p:cNvPr id="4" name="内容占位符 3">
             <a:extLst>
               <a:ext uri="{FF2B5EF4-FFF2-40B4-BE49-F238E27FC236}">
-                <a16:creationId xmlns:a16="http://schemas.microsoft.com/office/drawing/2014/main" id="{DEC1AC5F-9014-1CEB-A2E6-F18C04B708C8}"/>
+                <a16:creationId xmlns:a16="http://schemas.microsoft.com/office/drawing/2014/main" id="{9EC33949-35E4-710C-1D0A-B66A64419514}"/>
               </a:ext>
             </a:extLst>
           </p:cNvPr>
@@ -1380,7 +1380,7 @@
           <p:cNvPr id="5" name="日期占位符 4">
             <a:extLst>
               <a:ext uri="{FF2B5EF4-FFF2-40B4-BE49-F238E27FC236}">
-                <a16:creationId xmlns:a16="http://schemas.microsoft.com/office/drawing/2014/main" id="{E9C15B66-CAB0-4BC7-80CD-4996CA64E0DE}"/>
+                <a16:creationId xmlns:a16="http://schemas.microsoft.com/office/drawing/2014/main" id="{8D4DC9BB-561C-106E-D0FD-6B5467E85F38}"/>
               </a:ext>
             </a:extLst>
           </p:cNvPr>
@@ -1396,7 +1396,7 @@
           <a:bodyPr/>
           <a:lstStyle/>
           <a:p>
-            <a:fld id="{82D4050B-37B8-4B8C-814C-EFA0C112110C}" type="datetimeFigureOut">
+            <a:fld id="{66E6D228-E124-430C-9793-F0C430614E20}" type="datetimeFigureOut">
               <a:rPr lang="zh-CN" altLang="en-US" smtClean="0"/>
               <a:t>2024/3/10</a:t>
             </a:fld>
@@ -1409,7 +1409,7 @@
           <p:cNvPr id="6" name="页脚占位符 5">
             <a:extLst>
               <a:ext uri="{FF2B5EF4-FFF2-40B4-BE49-F238E27FC236}">
-                <a16:creationId xmlns:a16="http://schemas.microsoft.com/office/drawing/2014/main" id="{11E51CCC-82D6-2464-C1E9-51BBAEF10933}"/>
+                <a16:creationId xmlns:a16="http://schemas.microsoft.com/office/drawing/2014/main" id="{D0A5801C-976A-415E-930B-DFB6BF17EF73}"/>
               </a:ext>
             </a:extLst>
           </p:cNvPr>
@@ -1434,7 +1434,7 @@
           <p:cNvPr id="7" name="灯片编号占位符 6">
             <a:extLst>
               <a:ext uri="{FF2B5EF4-FFF2-40B4-BE49-F238E27FC236}">
-                <a16:creationId xmlns:a16="http://schemas.microsoft.com/office/drawing/2014/main" id="{75C785F9-2F04-4FD2-0D13-BB7410EB375B}"/>
+                <a16:creationId xmlns:a16="http://schemas.microsoft.com/office/drawing/2014/main" id="{FA2EA86B-1986-7523-CCBB-C70895521011}"/>
               </a:ext>
             </a:extLst>
           </p:cNvPr>
@@ -1450,7 +1450,7 @@
           <a:bodyPr/>
           <a:lstStyle/>
           <a:p>
-            <a:fld id="{74BA8AE9-352A-4568-8DF8-7A5B696903E9}" type="slidenum">
+            <a:fld id="{22DFA749-774F-4612-AA0D-0688C7540DB8}" type="slidenum">
               <a:rPr lang="zh-CN" altLang="en-US" smtClean="0"/>
               <a:t>‹#›</a:t>
             </a:fld>
@@ -1461,7 +1461,7 @@
     </p:spTree>
     <p:extLst>
       <p:ext uri="{BB962C8B-B14F-4D97-AF65-F5344CB8AC3E}">
-        <p14:creationId xmlns:p14="http://schemas.microsoft.com/office/powerpoint/2010/main" val="2297254690"/>
+        <p14:creationId xmlns:p14="http://schemas.microsoft.com/office/powerpoint/2010/main" val="1914803498"/>
       </p:ext>
     </p:extLst>
   </p:cSld>
@@ -1493,7 +1493,7 @@
           <p:cNvPr id="2" name="标题 1">
             <a:extLst>
               <a:ext uri="{FF2B5EF4-FFF2-40B4-BE49-F238E27FC236}">
-                <a16:creationId xmlns:a16="http://schemas.microsoft.com/office/drawing/2014/main" id="{4B1FF9C3-AFBB-AB1B-58EB-0089E14E425F}"/>
+                <a16:creationId xmlns:a16="http://schemas.microsoft.com/office/drawing/2014/main" id="{CF399F42-FEC3-DF4E-1F69-C9C6EC6B33DC}"/>
               </a:ext>
             </a:extLst>
           </p:cNvPr>
@@ -1526,7 +1526,7 @@
           <p:cNvPr id="3" name="文本占位符 2">
             <a:extLst>
               <a:ext uri="{FF2B5EF4-FFF2-40B4-BE49-F238E27FC236}">
-                <a16:creationId xmlns:a16="http://schemas.microsoft.com/office/drawing/2014/main" id="{BA703558-9859-911C-2489-2A2061CAEC10}"/>
+                <a16:creationId xmlns:a16="http://schemas.microsoft.com/office/drawing/2014/main" id="{B574B264-6502-7090-A865-D7A7D8189938}"/>
               </a:ext>
             </a:extLst>
           </p:cNvPr>
@@ -1597,7 +1597,7 @@
           <p:cNvPr id="4" name="内容占位符 3">
             <a:extLst>
               <a:ext uri="{FF2B5EF4-FFF2-40B4-BE49-F238E27FC236}">
-                <a16:creationId xmlns:a16="http://schemas.microsoft.com/office/drawing/2014/main" id="{9263BE87-9B79-62AE-37FD-401BB61FF264}"/>
+                <a16:creationId xmlns:a16="http://schemas.microsoft.com/office/drawing/2014/main" id="{35B0C103-06F4-AEA5-F469-ED8F3D85DBC4}"/>
               </a:ext>
             </a:extLst>
           </p:cNvPr>
@@ -1659,7 +1659,7 @@
           <p:cNvPr id="5" name="文本占位符 4">
             <a:extLst>
               <a:ext uri="{FF2B5EF4-FFF2-40B4-BE49-F238E27FC236}">
-                <a16:creationId xmlns:a16="http://schemas.microsoft.com/office/drawing/2014/main" id="{BBAFDF5A-D781-2009-9413-639E0D012A93}"/>
+                <a16:creationId xmlns:a16="http://schemas.microsoft.com/office/drawing/2014/main" id="{198C9EA0-995A-9F72-486A-7AA96951AC73}"/>
               </a:ext>
             </a:extLst>
           </p:cNvPr>
@@ -1730,7 +1730,7 @@
           <p:cNvPr id="6" name="内容占位符 5">
             <a:extLst>
               <a:ext uri="{FF2B5EF4-FFF2-40B4-BE49-F238E27FC236}">
-                <a16:creationId xmlns:a16="http://schemas.microsoft.com/office/drawing/2014/main" id="{06740D01-8694-4C3D-006B-0E72F51BF6D4}"/>
+                <a16:creationId xmlns:a16="http://schemas.microsoft.com/office/drawing/2014/main" id="{D815D79D-5E7D-E9CF-506D-AEE39D2AC973}"/>
               </a:ext>
             </a:extLst>
           </p:cNvPr>
@@ -1792,7 +1792,7 @@
           <p:cNvPr id="7" name="日期占位符 6">
             <a:extLst>
               <a:ext uri="{FF2B5EF4-FFF2-40B4-BE49-F238E27FC236}">
-                <a16:creationId xmlns:a16="http://schemas.microsoft.com/office/drawing/2014/main" id="{55FF18F8-08A8-4939-739E-AE1F424D764A}"/>
+                <a16:creationId xmlns:a16="http://schemas.microsoft.com/office/drawing/2014/main" id="{8EB2913C-2D8F-0C38-CA61-615622E4DA09}"/>
               </a:ext>
             </a:extLst>
           </p:cNvPr>
@@ -1808,7 +1808,7 @@
           <a:bodyPr/>
           <a:lstStyle/>
           <a:p>
-            <a:fld id="{82D4050B-37B8-4B8C-814C-EFA0C112110C}" type="datetimeFigureOut">
+            <a:fld id="{66E6D228-E124-430C-9793-F0C430614E20}" type="datetimeFigureOut">
               <a:rPr lang="zh-CN" altLang="en-US" smtClean="0"/>
               <a:t>2024/3/10</a:t>
             </a:fld>
@@ -1821,7 +1821,7 @@
           <p:cNvPr id="8" name="页脚占位符 7">
             <a:extLst>
               <a:ext uri="{FF2B5EF4-FFF2-40B4-BE49-F238E27FC236}">
-                <a16:creationId xmlns:a16="http://schemas.microsoft.com/office/drawing/2014/main" id="{4DAF32C6-5A1A-B847-64ED-A518742895F1}"/>
+                <a16:creationId xmlns:a16="http://schemas.microsoft.com/office/drawing/2014/main" id="{CA6D0587-74A7-7588-BD2E-49C585CFDC00}"/>
               </a:ext>
             </a:extLst>
           </p:cNvPr>
@@ -1846,7 +1846,7 @@
           <p:cNvPr id="9" name="灯片编号占位符 8">
             <a:extLst>
               <a:ext uri="{FF2B5EF4-FFF2-40B4-BE49-F238E27FC236}">
-                <a16:creationId xmlns:a16="http://schemas.microsoft.com/office/drawing/2014/main" id="{FA1653EF-AEA9-8D4F-EB24-E161AC947146}"/>
+                <a16:creationId xmlns:a16="http://schemas.microsoft.com/office/drawing/2014/main" id="{AEBD86A4-D62D-98B2-78C2-9F4C83083B63}"/>
               </a:ext>
             </a:extLst>
           </p:cNvPr>
@@ -1862,7 +1862,7 @@
           <a:bodyPr/>
           <a:lstStyle/>
           <a:p>
-            <a:fld id="{74BA8AE9-352A-4568-8DF8-7A5B696903E9}" type="slidenum">
+            <a:fld id="{22DFA749-774F-4612-AA0D-0688C7540DB8}" type="slidenum">
               <a:rPr lang="zh-CN" altLang="en-US" smtClean="0"/>
               <a:t>‹#›</a:t>
             </a:fld>
@@ -1873,7 +1873,7 @@
     </p:spTree>
     <p:extLst>
       <p:ext uri="{BB962C8B-B14F-4D97-AF65-F5344CB8AC3E}">
-        <p14:creationId xmlns:p14="http://schemas.microsoft.com/office/powerpoint/2010/main" val="3900896192"/>
+        <p14:creationId xmlns:p14="http://schemas.microsoft.com/office/powerpoint/2010/main" val="483316440"/>
       </p:ext>
     </p:extLst>
   </p:cSld>
@@ -1905,7 +1905,7 @@
           <p:cNvPr id="2" name="标题 1">
             <a:extLst>
               <a:ext uri="{FF2B5EF4-FFF2-40B4-BE49-F238E27FC236}">
-                <a16:creationId xmlns:a16="http://schemas.microsoft.com/office/drawing/2014/main" id="{C1DAD383-1972-62B1-50FD-B1BAD4906558}"/>
+                <a16:creationId xmlns:a16="http://schemas.microsoft.com/office/drawing/2014/main" id="{208FB9AB-03CD-ED71-7BAE-8AE6CDB4E142}"/>
               </a:ext>
             </a:extLst>
           </p:cNvPr>
@@ -1933,7 +1933,7 @@
           <p:cNvPr id="3" name="日期占位符 2">
             <a:extLst>
               <a:ext uri="{FF2B5EF4-FFF2-40B4-BE49-F238E27FC236}">
-                <a16:creationId xmlns:a16="http://schemas.microsoft.com/office/drawing/2014/main" id="{2918F6BB-14D8-8575-E40C-E158C5E21316}"/>
+                <a16:creationId xmlns:a16="http://schemas.microsoft.com/office/drawing/2014/main" id="{618FD1D5-2654-61C7-B5B9-EC496285BB4E}"/>
               </a:ext>
             </a:extLst>
           </p:cNvPr>
@@ -1949,7 +1949,7 @@
           <a:bodyPr/>
           <a:lstStyle/>
           <a:p>
-            <a:fld id="{82D4050B-37B8-4B8C-814C-EFA0C112110C}" type="datetimeFigureOut">
+            <a:fld id="{66E6D228-E124-430C-9793-F0C430614E20}" type="datetimeFigureOut">
               <a:rPr lang="zh-CN" altLang="en-US" smtClean="0"/>
               <a:t>2024/3/10</a:t>
             </a:fld>
@@ -1962,7 +1962,7 @@
           <p:cNvPr id="4" name="页脚占位符 3">
             <a:extLst>
               <a:ext uri="{FF2B5EF4-FFF2-40B4-BE49-F238E27FC236}">
-                <a16:creationId xmlns:a16="http://schemas.microsoft.com/office/drawing/2014/main" id="{3A53AE48-AFE9-5BBD-7733-EDDE0CCE8A00}"/>
+                <a16:creationId xmlns:a16="http://schemas.microsoft.com/office/drawing/2014/main" id="{6532230E-8C43-A302-C27A-7338378AAD99}"/>
               </a:ext>
             </a:extLst>
           </p:cNvPr>
@@ -1987,7 +1987,7 @@
           <p:cNvPr id="5" name="灯片编号占位符 4">
             <a:extLst>
               <a:ext uri="{FF2B5EF4-FFF2-40B4-BE49-F238E27FC236}">
-                <a16:creationId xmlns:a16="http://schemas.microsoft.com/office/drawing/2014/main" id="{9C3547F5-B59A-1E13-5744-943F04AF97F3}"/>
+                <a16:creationId xmlns:a16="http://schemas.microsoft.com/office/drawing/2014/main" id="{C9994E73-9B7E-3EE3-2458-40AEEFB7C443}"/>
               </a:ext>
             </a:extLst>
           </p:cNvPr>
@@ -2003,7 +2003,7 @@
           <a:bodyPr/>
           <a:lstStyle/>
           <a:p>
-            <a:fld id="{74BA8AE9-352A-4568-8DF8-7A5B696903E9}" type="slidenum">
+            <a:fld id="{22DFA749-774F-4612-AA0D-0688C7540DB8}" type="slidenum">
               <a:rPr lang="zh-CN" altLang="en-US" smtClean="0"/>
               <a:t>‹#›</a:t>
             </a:fld>
@@ -2014,7 +2014,7 @@
     </p:spTree>
     <p:extLst>
       <p:ext uri="{BB962C8B-B14F-4D97-AF65-F5344CB8AC3E}">
-        <p14:creationId xmlns:p14="http://schemas.microsoft.com/office/powerpoint/2010/main" val="3908730686"/>
+        <p14:creationId xmlns:p14="http://schemas.microsoft.com/office/powerpoint/2010/main" val="1372520148"/>
       </p:ext>
     </p:extLst>
   </p:cSld>
@@ -2046,7 +2046,7 @@
           <p:cNvPr id="2" name="日期占位符 1">
             <a:extLst>
               <a:ext uri="{FF2B5EF4-FFF2-40B4-BE49-F238E27FC236}">
-                <a16:creationId xmlns:a16="http://schemas.microsoft.com/office/drawing/2014/main" id="{652CDA65-3838-6CFD-0FBD-F39BA7D61F9E}"/>
+                <a16:creationId xmlns:a16="http://schemas.microsoft.com/office/drawing/2014/main" id="{0A8E68E1-856C-D1F3-0625-BA9C3C0B1E7F}"/>
               </a:ext>
             </a:extLst>
           </p:cNvPr>
@@ -2062,7 +2062,7 @@
           <a:bodyPr/>
           <a:lstStyle/>
           <a:p>
-            <a:fld id="{82D4050B-37B8-4B8C-814C-EFA0C112110C}" type="datetimeFigureOut">
+            <a:fld id="{66E6D228-E124-430C-9793-F0C430614E20}" type="datetimeFigureOut">
               <a:rPr lang="zh-CN" altLang="en-US" smtClean="0"/>
               <a:t>2024/3/10</a:t>
             </a:fld>
@@ -2075,7 +2075,7 @@
           <p:cNvPr id="3" name="页脚占位符 2">
             <a:extLst>
               <a:ext uri="{FF2B5EF4-FFF2-40B4-BE49-F238E27FC236}">
-                <a16:creationId xmlns:a16="http://schemas.microsoft.com/office/drawing/2014/main" id="{E7FBDC42-94A9-C280-2ACE-C11154371863}"/>
+                <a16:creationId xmlns:a16="http://schemas.microsoft.com/office/drawing/2014/main" id="{AA0DED4C-5C24-241F-497C-5468FE4D6308}"/>
               </a:ext>
             </a:extLst>
           </p:cNvPr>
@@ -2100,7 +2100,7 @@
           <p:cNvPr id="4" name="灯片编号占位符 3">
             <a:extLst>
               <a:ext uri="{FF2B5EF4-FFF2-40B4-BE49-F238E27FC236}">
-                <a16:creationId xmlns:a16="http://schemas.microsoft.com/office/drawing/2014/main" id="{034C5F06-DDA2-3A28-D3F0-EB9FF9F7BAF4}"/>
+                <a16:creationId xmlns:a16="http://schemas.microsoft.com/office/drawing/2014/main" id="{4A6F3AEE-647B-AF37-8C41-407D7D04447B}"/>
               </a:ext>
             </a:extLst>
           </p:cNvPr>
@@ -2116,7 +2116,7 @@
           <a:bodyPr/>
           <a:lstStyle/>
           <a:p>
-            <a:fld id="{74BA8AE9-352A-4568-8DF8-7A5B696903E9}" type="slidenum">
+            <a:fld id="{22DFA749-774F-4612-AA0D-0688C7540DB8}" type="slidenum">
               <a:rPr lang="zh-CN" altLang="en-US" smtClean="0"/>
               <a:t>‹#›</a:t>
             </a:fld>
@@ -2127,7 +2127,7 @@
     </p:spTree>
     <p:extLst>
       <p:ext uri="{BB962C8B-B14F-4D97-AF65-F5344CB8AC3E}">
-        <p14:creationId xmlns:p14="http://schemas.microsoft.com/office/powerpoint/2010/main" val="625066186"/>
+        <p14:creationId xmlns:p14="http://schemas.microsoft.com/office/powerpoint/2010/main" val="1548300961"/>
       </p:ext>
     </p:extLst>
   </p:cSld>
@@ -2159,7 +2159,7 @@
           <p:cNvPr id="2" name="标题 1">
             <a:extLst>
               <a:ext uri="{FF2B5EF4-FFF2-40B4-BE49-F238E27FC236}">
-                <a16:creationId xmlns:a16="http://schemas.microsoft.com/office/drawing/2014/main" id="{A57A8BFA-E83E-A89D-8226-D18D2A330B68}"/>
+                <a16:creationId xmlns:a16="http://schemas.microsoft.com/office/drawing/2014/main" id="{B1B233E1-3962-EF89-7DF5-3D0AD566574B}"/>
               </a:ext>
             </a:extLst>
           </p:cNvPr>
@@ -2196,7 +2196,7 @@
           <p:cNvPr id="3" name="内容占位符 2">
             <a:extLst>
               <a:ext uri="{FF2B5EF4-FFF2-40B4-BE49-F238E27FC236}">
-                <a16:creationId xmlns:a16="http://schemas.microsoft.com/office/drawing/2014/main" id="{5BBDE58F-A616-FB36-AA2E-29D6A20E1823}"/>
+                <a16:creationId xmlns:a16="http://schemas.microsoft.com/office/drawing/2014/main" id="{499DF81A-78F9-9CFD-2F5A-9DECE642AB98}"/>
               </a:ext>
             </a:extLst>
           </p:cNvPr>
@@ -2286,7 +2286,7 @@
           <p:cNvPr id="4" name="文本占位符 3">
             <a:extLst>
               <a:ext uri="{FF2B5EF4-FFF2-40B4-BE49-F238E27FC236}">
-                <a16:creationId xmlns:a16="http://schemas.microsoft.com/office/drawing/2014/main" id="{34D9E6A0-549B-7585-27CC-2DE60CA468E2}"/>
+                <a16:creationId xmlns:a16="http://schemas.microsoft.com/office/drawing/2014/main" id="{3A46C6F7-2B89-84CB-DC1E-527C7355CE11}"/>
               </a:ext>
             </a:extLst>
           </p:cNvPr>
@@ -2357,7 +2357,7 @@
           <p:cNvPr id="5" name="日期占位符 4">
             <a:extLst>
               <a:ext uri="{FF2B5EF4-FFF2-40B4-BE49-F238E27FC236}">
-                <a16:creationId xmlns:a16="http://schemas.microsoft.com/office/drawing/2014/main" id="{B635A67D-91E5-0AD5-3C77-07BFAC68ED72}"/>
+                <a16:creationId xmlns:a16="http://schemas.microsoft.com/office/drawing/2014/main" id="{91051900-A873-D771-1405-A5120B97CD3C}"/>
               </a:ext>
             </a:extLst>
           </p:cNvPr>
@@ -2373,7 +2373,7 @@
           <a:bodyPr/>
           <a:lstStyle/>
           <a:p>
-            <a:fld id="{82D4050B-37B8-4B8C-814C-EFA0C112110C}" type="datetimeFigureOut">
+            <a:fld id="{66E6D228-E124-430C-9793-F0C430614E20}" type="datetimeFigureOut">
               <a:rPr lang="zh-CN" altLang="en-US" smtClean="0"/>
               <a:t>2024/3/10</a:t>
             </a:fld>
@@ -2386,7 +2386,7 @@
           <p:cNvPr id="6" name="页脚占位符 5">
             <a:extLst>
               <a:ext uri="{FF2B5EF4-FFF2-40B4-BE49-F238E27FC236}">
-                <a16:creationId xmlns:a16="http://schemas.microsoft.com/office/drawing/2014/main" id="{4026D9D2-DB9E-6E37-E1F4-EB417AEEDA4A}"/>
+                <a16:creationId xmlns:a16="http://schemas.microsoft.com/office/drawing/2014/main" id="{E3FD4D1C-E7E4-AAEA-7F66-9A6CB3A7324C}"/>
               </a:ext>
             </a:extLst>
           </p:cNvPr>
@@ -2411,7 +2411,7 @@
           <p:cNvPr id="7" name="灯片编号占位符 6">
             <a:extLst>
               <a:ext uri="{FF2B5EF4-FFF2-40B4-BE49-F238E27FC236}">
-                <a16:creationId xmlns:a16="http://schemas.microsoft.com/office/drawing/2014/main" id="{B05820E2-92D9-768E-FA31-A8D6D534AA57}"/>
+                <a16:creationId xmlns:a16="http://schemas.microsoft.com/office/drawing/2014/main" id="{FE1292ED-FBBE-0D4F-21ED-1B94CB838762}"/>
               </a:ext>
             </a:extLst>
           </p:cNvPr>
@@ -2427,7 +2427,7 @@
           <a:bodyPr/>
           <a:lstStyle/>
           <a:p>
-            <a:fld id="{74BA8AE9-352A-4568-8DF8-7A5B696903E9}" type="slidenum">
+            <a:fld id="{22DFA749-774F-4612-AA0D-0688C7540DB8}" type="slidenum">
               <a:rPr lang="zh-CN" altLang="en-US" smtClean="0"/>
               <a:t>‹#›</a:t>
             </a:fld>
@@ -2438,7 +2438,7 @@
     </p:spTree>
     <p:extLst>
       <p:ext uri="{BB962C8B-B14F-4D97-AF65-F5344CB8AC3E}">
-        <p14:creationId xmlns:p14="http://schemas.microsoft.com/office/powerpoint/2010/main" val="3200532307"/>
+        <p14:creationId xmlns:p14="http://schemas.microsoft.com/office/powerpoint/2010/main" val="1801035074"/>
       </p:ext>
     </p:extLst>
   </p:cSld>
@@ -2470,7 +2470,7 @@
           <p:cNvPr id="2" name="标题 1">
             <a:extLst>
               <a:ext uri="{FF2B5EF4-FFF2-40B4-BE49-F238E27FC236}">
-                <a16:creationId xmlns:a16="http://schemas.microsoft.com/office/drawing/2014/main" id="{31F5BAFD-8E94-2EDD-A455-CEE26FD92C3B}"/>
+                <a16:creationId xmlns:a16="http://schemas.microsoft.com/office/drawing/2014/main" id="{F948C41F-D666-42F4-3E41-231E02C09021}"/>
               </a:ext>
             </a:extLst>
           </p:cNvPr>
@@ -2507,7 +2507,7 @@
           <p:cNvPr id="3" name="图片占位符 2">
             <a:extLst>
               <a:ext uri="{FF2B5EF4-FFF2-40B4-BE49-F238E27FC236}">
-                <a16:creationId xmlns:a16="http://schemas.microsoft.com/office/drawing/2014/main" id="{34F9F6EB-4578-B4DE-3DA5-371987E0B37F}"/>
+                <a16:creationId xmlns:a16="http://schemas.microsoft.com/office/drawing/2014/main" id="{96E8432C-0E50-379B-B691-A5C06E6DCA9D}"/>
               </a:ext>
             </a:extLst>
           </p:cNvPr>
@@ -2574,7 +2574,7 @@
           <p:cNvPr id="4" name="文本占位符 3">
             <a:extLst>
               <a:ext uri="{FF2B5EF4-FFF2-40B4-BE49-F238E27FC236}">
-                <a16:creationId xmlns:a16="http://schemas.microsoft.com/office/drawing/2014/main" id="{2EECC901-1E24-3538-8AEA-3C205C77B053}"/>
+                <a16:creationId xmlns:a16="http://schemas.microsoft.com/office/drawing/2014/main" id="{A52D394B-4512-F473-4BCC-FC7E718B9877}"/>
               </a:ext>
             </a:extLst>
           </p:cNvPr>
@@ -2645,7 +2645,7 @@
           <p:cNvPr id="5" name="日期占位符 4">
             <a:extLst>
               <a:ext uri="{FF2B5EF4-FFF2-40B4-BE49-F238E27FC236}">
-                <a16:creationId xmlns:a16="http://schemas.microsoft.com/office/drawing/2014/main" id="{F4C209B7-F77A-A20D-4B42-4719A8F33B92}"/>
+                <a16:creationId xmlns:a16="http://schemas.microsoft.com/office/drawing/2014/main" id="{BEDCFF56-F87A-90E5-CD52-C2BF1C1792C3}"/>
               </a:ext>
             </a:extLst>
           </p:cNvPr>
@@ -2661,7 +2661,7 @@
           <a:bodyPr/>
           <a:lstStyle/>
           <a:p>
-            <a:fld id="{82D4050B-37B8-4B8C-814C-EFA0C112110C}" type="datetimeFigureOut">
+            <a:fld id="{66E6D228-E124-430C-9793-F0C430614E20}" type="datetimeFigureOut">
               <a:rPr lang="zh-CN" altLang="en-US" smtClean="0"/>
               <a:t>2024/3/10</a:t>
             </a:fld>
@@ -2674,7 +2674,7 @@
           <p:cNvPr id="6" name="页脚占位符 5">
             <a:extLst>
               <a:ext uri="{FF2B5EF4-FFF2-40B4-BE49-F238E27FC236}">
-                <a16:creationId xmlns:a16="http://schemas.microsoft.com/office/drawing/2014/main" id="{0C51CDC8-B9BD-A954-2D27-0E777507EBB5}"/>
+                <a16:creationId xmlns:a16="http://schemas.microsoft.com/office/drawing/2014/main" id="{CD20DE7D-2640-6D78-AAD6-2DA8995E5305}"/>
               </a:ext>
             </a:extLst>
           </p:cNvPr>
@@ -2699,7 +2699,7 @@
           <p:cNvPr id="7" name="灯片编号占位符 6">
             <a:extLst>
               <a:ext uri="{FF2B5EF4-FFF2-40B4-BE49-F238E27FC236}">
-                <a16:creationId xmlns:a16="http://schemas.microsoft.com/office/drawing/2014/main" id="{B62FFDB3-44E0-1E8B-0974-F35982A437BC}"/>
+                <a16:creationId xmlns:a16="http://schemas.microsoft.com/office/drawing/2014/main" id="{BEB32C79-16C4-D605-8CAC-997E27707543}"/>
               </a:ext>
             </a:extLst>
           </p:cNvPr>
@@ -2715,7 +2715,7 @@
           <a:bodyPr/>
           <a:lstStyle/>
           <a:p>
-            <a:fld id="{74BA8AE9-352A-4568-8DF8-7A5B696903E9}" type="slidenum">
+            <a:fld id="{22DFA749-774F-4612-AA0D-0688C7540DB8}" type="slidenum">
               <a:rPr lang="zh-CN" altLang="en-US" smtClean="0"/>
               <a:t>‹#›</a:t>
             </a:fld>
@@ -2726,7 +2726,7 @@
     </p:spTree>
     <p:extLst>
       <p:ext uri="{BB962C8B-B14F-4D97-AF65-F5344CB8AC3E}">
-        <p14:creationId xmlns:p14="http://schemas.microsoft.com/office/powerpoint/2010/main" val="2193293708"/>
+        <p14:creationId xmlns:p14="http://schemas.microsoft.com/office/powerpoint/2010/main" val="1021136958"/>
       </p:ext>
     </p:extLst>
   </p:cSld>
@@ -2763,7 +2763,7 @@
           <p:cNvPr id="2" name="标题占位符 1">
             <a:extLst>
               <a:ext uri="{FF2B5EF4-FFF2-40B4-BE49-F238E27FC236}">
-                <a16:creationId xmlns:a16="http://schemas.microsoft.com/office/drawing/2014/main" id="{58EBBFDF-C7C6-0C54-5A2A-BE1883391C32}"/>
+                <a16:creationId xmlns:a16="http://schemas.microsoft.com/office/drawing/2014/main" id="{E22789FE-A28D-509E-A199-97137E2A10FD}"/>
               </a:ext>
             </a:extLst>
           </p:cNvPr>
@@ -2801,7 +2801,7 @@
           <p:cNvPr id="3" name="文本占位符 2">
             <a:extLst>
               <a:ext uri="{FF2B5EF4-FFF2-40B4-BE49-F238E27FC236}">
-                <a16:creationId xmlns:a16="http://schemas.microsoft.com/office/drawing/2014/main" id="{C9C41BF4-A622-FC22-DAA4-25CB5C10E72F}"/>
+                <a16:creationId xmlns:a16="http://schemas.microsoft.com/office/drawing/2014/main" id="{5BF6ACCB-D827-3D9D-0DCB-193F5CC88C94}"/>
               </a:ext>
             </a:extLst>
           </p:cNvPr>
@@ -2868,7 +2868,7 @@
           <p:cNvPr id="4" name="日期占位符 3">
             <a:extLst>
               <a:ext uri="{FF2B5EF4-FFF2-40B4-BE49-F238E27FC236}">
-                <a16:creationId xmlns:a16="http://schemas.microsoft.com/office/drawing/2014/main" id="{556FFB08-D23B-C64F-C197-E456B6DE0BF4}"/>
+                <a16:creationId xmlns:a16="http://schemas.microsoft.com/office/drawing/2014/main" id="{D19BFA71-7E38-E6C4-6CC6-C840F12DEE2E}"/>
               </a:ext>
             </a:extLst>
           </p:cNvPr>
@@ -2902,7 +2902,7 @@
             </a:lvl1pPr>
           </a:lstStyle>
           <a:p>
-            <a:fld id="{82D4050B-37B8-4B8C-814C-EFA0C112110C}" type="datetimeFigureOut">
+            <a:fld id="{66E6D228-E124-430C-9793-F0C430614E20}" type="datetimeFigureOut">
               <a:rPr lang="zh-CN" altLang="en-US" smtClean="0"/>
               <a:t>2024/3/10</a:t>
             </a:fld>
@@ -2915,7 +2915,7 @@
           <p:cNvPr id="5" name="页脚占位符 4">
             <a:extLst>
               <a:ext uri="{FF2B5EF4-FFF2-40B4-BE49-F238E27FC236}">
-                <a16:creationId xmlns:a16="http://schemas.microsoft.com/office/drawing/2014/main" id="{3AA03E32-9353-64D5-9E01-F184E21CA298}"/>
+                <a16:creationId xmlns:a16="http://schemas.microsoft.com/office/drawing/2014/main" id="{27F91782-26C4-C5D5-02FE-3124A1B89D15}"/>
               </a:ext>
             </a:extLst>
           </p:cNvPr>
@@ -2958,7 +2958,7 @@
           <p:cNvPr id="6" name="灯片编号占位符 5">
             <a:extLst>
               <a:ext uri="{FF2B5EF4-FFF2-40B4-BE49-F238E27FC236}">
-                <a16:creationId xmlns:a16="http://schemas.microsoft.com/office/drawing/2014/main" id="{20E8F737-359A-2B48-EE6C-C713870ADB96}"/>
+                <a16:creationId xmlns:a16="http://schemas.microsoft.com/office/drawing/2014/main" id="{8A70390B-E062-6D5F-ECCE-3AA8FE99815D}"/>
               </a:ext>
             </a:extLst>
           </p:cNvPr>
@@ -2992,7 +2992,7 @@
             </a:lvl1pPr>
           </a:lstStyle>
           <a:p>
-            <a:fld id="{74BA8AE9-352A-4568-8DF8-7A5B696903E9}" type="slidenum">
+            <a:fld id="{22DFA749-774F-4612-AA0D-0688C7540DB8}" type="slidenum">
               <a:rPr lang="zh-CN" altLang="en-US" smtClean="0"/>
               <a:t>‹#›</a:t>
             </a:fld>
@@ -3003,7 +3003,7 @@
     </p:spTree>
     <p:extLst>
       <p:ext uri="{BB962C8B-B14F-4D97-AF65-F5344CB8AC3E}">
-        <p14:creationId xmlns:p14="http://schemas.microsoft.com/office/powerpoint/2010/main" val="1783839287"/>
+        <p14:creationId xmlns:p14="http://schemas.microsoft.com/office/powerpoint/2010/main" val="1477706198"/>
       </p:ext>
     </p:extLst>
   </p:cSld>
@@ -3323,7 +3323,7 @@
       </p:grpSpPr>
       <p:pic>
         <p:nvPicPr>
-          <p:cNvPr id="1512450" name="Picture 2" descr="1476"/>
+          <p:cNvPr id="1513474" name="Picture 2" descr="1477"/>
           <p:cNvPicPr>
             <a:picLocks noChangeAspect="1" noChangeArrowheads="1"/>
           </p:cNvPicPr>
@@ -3344,8 +3344,8 @@
         </p:blipFill>
         <p:spPr bwMode="auto">
           <a:xfrm>
-            <a:off x="1524000" y="1"/>
-            <a:ext cx="9144000" cy="4868863"/>
+            <a:off x="1524000" y="0"/>
+            <a:ext cx="9144000" cy="4724400"/>
           </a:xfrm>
           <a:prstGeom prst="rect">
             <a:avLst/>
